--- a/Churn-Prediction-of-Bank-Users.pptx
+++ b/Churn-Prediction-of-Bank-Users.pptx
@@ -287,7 +287,7 @@
                 <a:latin typeface="Microsoft JhengHei UI" panose="020B0604030504040204" pitchFamily="34" charset="-120"/>
                 <a:ea typeface="Microsoft JhengHei UI" panose="020B0604030504040204" pitchFamily="34" charset="-120"/>
               </a:rPr>
-              <a:t>2019/7/4</a:t>
+              <a:t>2019/7/6</a:t>
             </a:fld>
             <a:endParaRPr lang="zh-TW" altLang="en-US">
               <a:latin typeface="Microsoft JhengHei UI" panose="020B0604030504040204" pitchFamily="34" charset="-120"/>
@@ -473,7 +473,7 @@
           <a:p>
             <a:fld id="{B0A587AB-C785-4ECC-B9BB-3D529D1F06DC}" type="datetime1">
               <a:rPr lang="zh-TW" altLang="en-US" noProof="0" smtClean="0"/>
-              <a:t>2019/7/4</a:t>
+              <a:t>2019/7/6</a:t>
             </a:fld>
             <a:endParaRPr lang="zh-TW" altLang="en-US" noProof="0" dirty="0"/>
           </a:p>
@@ -8725,7 +8725,7 @@
           <a:p>
             <a:fld id="{63A4AE2E-A8ED-46AC-BF15-D2D75BD090F4}" type="datetime1">
               <a:rPr lang="zh-TW" altLang="en-US" noProof="0" smtClean="0"/>
-              <a:t>2019/7/4</a:t>
+              <a:t>2019/7/6</a:t>
             </a:fld>
             <a:endParaRPr lang="zh-TW" altLang="en-US" noProof="0"/>
           </a:p>
@@ -8928,7 +8928,7 @@
           <a:p>
             <a:fld id="{63A4AE2E-A8ED-46AC-BF15-D2D75BD090F4}" type="datetime1">
               <a:rPr lang="zh-TW" altLang="en-US" noProof="0" smtClean="0"/>
-              <a:t>2019/7/4</a:t>
+              <a:t>2019/7/6</a:t>
             </a:fld>
             <a:endParaRPr lang="zh-TW" altLang="en-US" noProof="0"/>
           </a:p>
@@ -9141,7 +9141,7 @@
           <a:p>
             <a:fld id="{63A4AE2E-A8ED-46AC-BF15-D2D75BD090F4}" type="datetime1">
               <a:rPr lang="zh-TW" altLang="en-US" noProof="0" smtClean="0"/>
-              <a:t>2019/7/4</a:t>
+              <a:t>2019/7/6</a:t>
             </a:fld>
             <a:endParaRPr lang="zh-TW" altLang="en-US" noProof="0"/>
           </a:p>
@@ -9403,7 +9403,7 @@
           <a:p>
             <a:fld id="{6BC39405-04A1-40D1-8C59-854574ADCA20}" type="datetime1">
               <a:rPr lang="zh-TW" altLang="en-US" noProof="0" smtClean="0"/>
-              <a:t>2019/7/4</a:t>
+              <a:t>2019/7/6</a:t>
             </a:fld>
             <a:endParaRPr lang="zh-TW" altLang="en-US" noProof="0"/>
           </a:p>
@@ -9581,7 +9581,7 @@
           <a:p>
             <a:fld id="{63A4AE2E-A8ED-46AC-BF15-D2D75BD090F4}" type="datetime1">
               <a:rPr lang="zh-TW" altLang="en-US" noProof="0" smtClean="0"/>
-              <a:t>2019/7/4</a:t>
+              <a:t>2019/7/6</a:t>
             </a:fld>
             <a:endParaRPr lang="zh-TW" altLang="en-US" noProof="0"/>
           </a:p>
@@ -9861,7 +9861,7 @@
           <a:p>
             <a:fld id="{63A4AE2E-A8ED-46AC-BF15-D2D75BD090F4}" type="datetime1">
               <a:rPr lang="zh-TW" altLang="en-US" noProof="0" smtClean="0"/>
-              <a:t>2019/7/4</a:t>
+              <a:t>2019/7/6</a:t>
             </a:fld>
             <a:endParaRPr lang="zh-TW" altLang="en-US" noProof="0"/>
           </a:p>
@@ -10131,7 +10131,7 @@
           <a:p>
             <a:fld id="{63A4AE2E-A8ED-46AC-BF15-D2D75BD090F4}" type="datetime1">
               <a:rPr lang="zh-TW" altLang="en-US" noProof="0" smtClean="0"/>
-              <a:t>2019/7/4</a:t>
+              <a:t>2019/7/6</a:t>
             </a:fld>
             <a:endParaRPr lang="zh-TW" altLang="en-US" noProof="0"/>
           </a:p>
@@ -10548,7 +10548,7 @@
           <a:p>
             <a:fld id="{63A4AE2E-A8ED-46AC-BF15-D2D75BD090F4}" type="datetime1">
               <a:rPr lang="zh-TW" altLang="en-US" noProof="0" smtClean="0"/>
-              <a:t>2019/7/4</a:t>
+              <a:t>2019/7/6</a:t>
             </a:fld>
             <a:endParaRPr lang="zh-TW" altLang="en-US" noProof="0"/>
           </a:p>
@@ -10694,7 +10694,7 @@
           <a:p>
             <a:fld id="{63A4AE2E-A8ED-46AC-BF15-D2D75BD090F4}" type="datetime1">
               <a:rPr lang="zh-TW" altLang="en-US" noProof="0" smtClean="0"/>
-              <a:t>2019/7/4</a:t>
+              <a:t>2019/7/6</a:t>
             </a:fld>
             <a:endParaRPr lang="zh-TW" altLang="en-US" noProof="0"/>
           </a:p>
@@ -10812,7 +10812,7 @@
           <a:p>
             <a:fld id="{000761D5-80DB-4139-BF6C-FFE0FE69F568}" type="datetime1">
               <a:rPr lang="zh-TW" altLang="en-US" noProof="0" smtClean="0"/>
-              <a:t>2019/7/4</a:t>
+              <a:t>2019/7/6</a:t>
             </a:fld>
             <a:endParaRPr lang="zh-TW" altLang="en-US" noProof="0"/>
           </a:p>
@@ -11313,7 +11313,7 @@
           <a:p>
             <a:fld id="{63A4AE2E-A8ED-46AC-BF15-D2D75BD090F4}" type="datetime1">
               <a:rPr lang="zh-TW" altLang="en-US" noProof="0" smtClean="0"/>
-              <a:t>2019/7/4</a:t>
+              <a:t>2019/7/6</a:t>
             </a:fld>
             <a:endParaRPr lang="zh-TW" altLang="en-US" noProof="0"/>
           </a:p>
@@ -11606,7 +11606,7 @@
           <a:p>
             <a:fld id="{63A4AE2E-A8ED-46AC-BF15-D2D75BD090F4}" type="datetime1">
               <a:rPr lang="zh-TW" altLang="en-US" noProof="0" smtClean="0"/>
-              <a:t>2019/7/4</a:t>
+              <a:t>2019/7/6</a:t>
             </a:fld>
             <a:endParaRPr lang="zh-TW" altLang="en-US" noProof="0"/>
           </a:p>
@@ -11852,7 +11852,7 @@
           <a:p>
             <a:fld id="{63A4AE2E-A8ED-46AC-BF15-D2D75BD090F4}" type="datetime1">
               <a:rPr lang="zh-TW" altLang="en-US" noProof="0" smtClean="0"/>
-              <a:t>2019/7/4</a:t>
+              <a:t>2019/7/6</a:t>
             </a:fld>
             <a:endParaRPr lang="zh-TW" altLang="en-US" noProof="0"/>
           </a:p>
